--- a/Obrada i optimizacija upita kod Oracle baze podataka.pptx
+++ b/Obrada i optimizacija upita kod Oracle baze podataka.pptx
@@ -419,7 +419,7 @@
           <a:p>
             <a:fld id="{BF655B31-937F-4D0B-85F5-536CA51A0F56}" type="datetimeFigureOut">
               <a:rPr lang="en-US" smtClean="0"/>
-              <a:t>17/4/2020</a:t>
+              <a:t>22/4/2020</a:t>
             </a:fld>
             <a:endParaRPr lang="en-US"/>
           </a:p>
@@ -737,7 +737,7 @@
           <a:p>
             <a:fld id="{BF655B31-937F-4D0B-85F5-536CA51A0F56}" type="datetimeFigureOut">
               <a:rPr lang="en-US" smtClean="0"/>
-              <a:t>17/4/2020</a:t>
+              <a:t>22/4/2020</a:t>
             </a:fld>
             <a:endParaRPr lang="en-US"/>
           </a:p>
@@ -1225,7 +1225,7 @@
           <a:p>
             <a:fld id="{BF655B31-937F-4D0B-85F5-536CA51A0F56}" type="datetimeFigureOut">
               <a:rPr lang="en-US" smtClean="0"/>
-              <a:t>17/4/2020</a:t>
+              <a:t>22/4/2020</a:t>
             </a:fld>
             <a:endParaRPr lang="en-US"/>
           </a:p>
@@ -1594,7 +1594,7 @@
           <a:p>
             <a:fld id="{BF655B31-937F-4D0B-85F5-536CA51A0F56}" type="datetimeFigureOut">
               <a:rPr lang="en-US" smtClean="0"/>
-              <a:t>17/4/2020</a:t>
+              <a:t>22/4/2020</a:t>
             </a:fld>
             <a:endParaRPr lang="en-US"/>
           </a:p>
@@ -1867,7 +1867,7 @@
           <a:p>
             <a:fld id="{BF655B31-937F-4D0B-85F5-536CA51A0F56}" type="datetimeFigureOut">
               <a:rPr lang="en-US" smtClean="0"/>
-              <a:t>17/4/2020</a:t>
+              <a:t>22/4/2020</a:t>
             </a:fld>
             <a:endParaRPr lang="en-US"/>
           </a:p>
@@ -2152,7 +2152,7 @@
           <a:p>
             <a:fld id="{BF655B31-937F-4D0B-85F5-536CA51A0F56}" type="datetimeFigureOut">
               <a:rPr lang="en-US" smtClean="0"/>
-              <a:t>17/4/2020</a:t>
+              <a:t>22/4/2020</a:t>
             </a:fld>
             <a:endParaRPr lang="en-US"/>
           </a:p>
@@ -2435,7 +2435,7 @@
           <a:p>
             <a:fld id="{BF655B31-937F-4D0B-85F5-536CA51A0F56}" type="datetimeFigureOut">
               <a:rPr lang="en-US" smtClean="0"/>
-              <a:t>17/4/2020</a:t>
+              <a:t>22/4/2020</a:t>
             </a:fld>
             <a:endParaRPr lang="en-US"/>
           </a:p>
@@ -2778,7 +2778,7 @@
           <a:p>
             <a:fld id="{BF655B31-937F-4D0B-85F5-536CA51A0F56}" type="datetimeFigureOut">
               <a:rPr lang="en-US" smtClean="0"/>
-              <a:t>17/4/2020</a:t>
+              <a:t>22/4/2020</a:t>
             </a:fld>
             <a:endParaRPr lang="en-US"/>
           </a:p>
@@ -3117,7 +3117,7 @@
           <a:p>
             <a:fld id="{BF655B31-937F-4D0B-85F5-536CA51A0F56}" type="datetimeFigureOut">
               <a:rPr lang="en-US" smtClean="0"/>
-              <a:t>17/4/2020</a:t>
+              <a:t>22/4/2020</a:t>
             </a:fld>
             <a:endParaRPr lang="en-US"/>
           </a:p>
@@ -3594,7 +3594,7 @@
           <a:p>
             <a:fld id="{BF655B31-937F-4D0B-85F5-536CA51A0F56}" type="datetimeFigureOut">
               <a:rPr lang="en-US" smtClean="0"/>
-              <a:t>17/4/2020</a:t>
+              <a:t>22/4/2020</a:t>
             </a:fld>
             <a:endParaRPr lang="en-US"/>
           </a:p>
@@ -3815,7 +3815,7 @@
           <a:p>
             <a:fld id="{BF655B31-937F-4D0B-85F5-536CA51A0F56}" type="datetimeFigureOut">
               <a:rPr lang="en-US" smtClean="0"/>
-              <a:t>17/4/2020</a:t>
+              <a:t>22/4/2020</a:t>
             </a:fld>
             <a:endParaRPr lang="en-US"/>
           </a:p>
@@ -3910,7 +3910,7 @@
           <a:p>
             <a:fld id="{BF655B31-937F-4D0B-85F5-536CA51A0F56}" type="datetimeFigureOut">
               <a:rPr lang="en-US" smtClean="0"/>
-              <a:t>17/4/2020</a:t>
+              <a:t>22/4/2020</a:t>
             </a:fld>
             <a:endParaRPr lang="en-US"/>
           </a:p>
@@ -4377,7 +4377,7 @@
           <a:p>
             <a:fld id="{BF655B31-937F-4D0B-85F5-536CA51A0F56}" type="datetimeFigureOut">
               <a:rPr lang="en-US" smtClean="0"/>
-              <a:t>17/4/2020</a:t>
+              <a:t>22/4/2020</a:t>
             </a:fld>
             <a:endParaRPr lang="en-US"/>
           </a:p>
@@ -4690,7 +4690,7 @@
           <a:p>
             <a:fld id="{BF655B31-937F-4D0B-85F5-536CA51A0F56}" type="datetimeFigureOut">
               <a:rPr lang="en-US" smtClean="0"/>
-              <a:t>17/4/2020</a:t>
+              <a:t>22/4/2020</a:t>
             </a:fld>
             <a:endParaRPr lang="en-US"/>
           </a:p>
@@ -4960,7 +4960,7 @@
           <a:p>
             <a:fld id="{BF655B31-937F-4D0B-85F5-536CA51A0F56}" type="datetimeFigureOut">
               <a:rPr lang="en-US" smtClean="0"/>
-              <a:t>17/4/2020</a:t>
+              <a:t>22/4/2020</a:t>
             </a:fld>
             <a:endParaRPr lang="en-US"/>
           </a:p>
@@ -7262,7 +7262,7 @@
         <p:spPr>
           <a:xfrm>
             <a:off x="1145627" y="4477408"/>
-            <a:ext cx="7567448" cy="1754326"/>
+            <a:ext cx="4706533" cy="1754326"/>
           </a:xfrm>
           <a:prstGeom prst="rect">
             <a:avLst/>
@@ -7367,6 +7367,151 @@
           </a:p>
         </p:txBody>
       </p:sp>
+      <p:sp>
+        <p:nvSpPr>
+          <p:cNvPr id="5" name="TextBox 4"/>
+          <p:cNvSpPr txBox="1"/>
+          <p:nvPr/>
+        </p:nvSpPr>
+        <p:spPr>
+          <a:xfrm>
+            <a:off x="7362857" y="4697274"/>
+            <a:ext cx="2664512" cy="923330"/>
+          </a:xfrm>
+          <a:prstGeom prst="rect">
+            <a:avLst/>
+          </a:prstGeom>
+          <a:noFill/>
+        </p:spPr>
+        <p:txBody>
+          <a:bodyPr wrap="none" rtlCol="0">
+            <a:spAutoFit/>
+          </a:bodyPr>
+          <a:lstStyle/>
+          <a:p>
+            <a:r>
+              <a:rPr lang="sr-Latn-RS" b="1" dirty="0"/>
+              <a:t>SELECT </a:t>
+            </a:r>
+            <a:r>
+              <a:rPr lang="sr-Latn-RS" dirty="0" err="1"/>
+              <a:t>Lname</a:t>
+            </a:r>
+            <a:r>
+              <a:rPr lang="sr-Latn-RS" dirty="0"/>
+              <a:t>, </a:t>
+            </a:r>
+            <a:r>
+              <a:rPr lang="sr-Latn-RS" dirty="0" err="1"/>
+              <a:t>Fname</a:t>
+            </a:r>
+            <a:endParaRPr lang="en-US" dirty="0"/>
+          </a:p>
+          <a:p>
+            <a:r>
+              <a:rPr lang="sr-Latn-RS" b="1" dirty="0"/>
+              <a:t>FROM </a:t>
+            </a:r>
+            <a:r>
+              <a:rPr lang="sr-Latn-RS" dirty="0"/>
+              <a:t>EMPLOYEE</a:t>
+            </a:r>
+            <a:endParaRPr lang="en-US" dirty="0"/>
+          </a:p>
+          <a:p>
+            <a:r>
+              <a:rPr lang="sr-Latn-RS" b="1" dirty="0"/>
+              <a:t>WHERE </a:t>
+            </a:r>
+            <a:r>
+              <a:rPr lang="sr-Latn-RS" dirty="0" err="1"/>
+              <a:t>Salary</a:t>
+            </a:r>
+            <a:r>
+              <a:rPr lang="sr-Latn-RS" dirty="0"/>
+              <a:t> </a:t>
+            </a:r>
+            <a:r>
+              <a:rPr lang="sr-Latn-RS" dirty="0" smtClean="0"/>
+              <a:t>&gt;</a:t>
+            </a:r>
+            <a:r>
+              <a:rPr lang="en-US" dirty="0" smtClean="0"/>
+              <a:t> </a:t>
+            </a:r>
+            <a:r>
+              <a:rPr lang="en-US" b="1" dirty="0" smtClean="0"/>
+              <a:t>C</a:t>
+            </a:r>
+            <a:endParaRPr lang="en-US" b="1" dirty="0"/>
+          </a:p>
+        </p:txBody>
+      </p:sp>
+      <p:cxnSp>
+        <p:nvCxnSpPr>
+          <p:cNvPr id="9" name="Elbow Connector 8"/>
+          <p:cNvCxnSpPr>
+            <a:stCxn id="4" idx="2"/>
+          </p:cNvCxnSpPr>
+          <p:nvPr/>
+        </p:nvCxnSpPr>
+        <p:spPr>
+          <a:xfrm rot="16200000" flipH="1">
+            <a:off x="6004158" y="3726469"/>
+            <a:ext cx="185691" cy="5196219"/>
+          </a:xfrm>
+          <a:prstGeom prst="bentConnector2">
+            <a:avLst/>
+          </a:prstGeom>
+        </p:spPr>
+        <p:style>
+          <a:lnRef idx="1">
+            <a:schemeClr val="accent1"/>
+          </a:lnRef>
+          <a:fillRef idx="0">
+            <a:schemeClr val="accent1"/>
+          </a:fillRef>
+          <a:effectRef idx="0">
+            <a:schemeClr val="accent1"/>
+          </a:effectRef>
+          <a:fontRef idx="minor">
+            <a:schemeClr val="tx1"/>
+          </a:fontRef>
+        </p:style>
+      </p:cxnSp>
+      <p:cxnSp>
+        <p:nvCxnSpPr>
+          <p:cNvPr id="11" name="Elbow Connector 10"/>
+          <p:cNvCxnSpPr/>
+          <p:nvPr/>
+        </p:nvCxnSpPr>
+        <p:spPr>
+          <a:xfrm rot="5400000" flipH="1" flipV="1">
+            <a:off x="8581298" y="5728069"/>
+            <a:ext cx="803170" cy="588241"/>
+          </a:xfrm>
+          <a:prstGeom prst="bentConnector3">
+            <a:avLst/>
+          </a:prstGeom>
+          <a:ln>
+            <a:tailEnd type="triangle"/>
+          </a:ln>
+        </p:spPr>
+        <p:style>
+          <a:lnRef idx="1">
+            <a:schemeClr val="accent1"/>
+          </a:lnRef>
+          <a:fillRef idx="0">
+            <a:schemeClr val="accent1"/>
+          </a:fillRef>
+          <a:effectRef idx="0">
+            <a:schemeClr val="accent1"/>
+          </a:effectRef>
+          <a:fontRef idx="minor">
+            <a:schemeClr val="tx1"/>
+          </a:fontRef>
+        </p:style>
+      </p:cxnSp>
     </p:spTree>
     <p:extLst>
       <p:ext uri="{BB962C8B-B14F-4D97-AF65-F5344CB8AC3E}">
@@ -7851,8 +7996,20 @@
           <a:lstStyle/>
           <a:p>
             <a:r>
+              <a:rPr lang="sr-Latn-RS" dirty="0" err="1" smtClean="0"/>
+              <a:t>Osnovn</a:t>
+            </a:r>
+            <a:r>
+              <a:rPr lang="en-US" dirty="0" smtClean="0"/>
+              <a:t>e</a:t>
+            </a:r>
+            <a:r>
               <a:rPr lang="sr-Latn-RS" dirty="0" smtClean="0"/>
-              <a:t>Osnovna pravila transformacije operatora relacione algebre</a:t>
+              <a:t> transformacije </a:t>
+            </a:r>
+            <a:r>
+              <a:rPr lang="sr-Latn-RS" dirty="0" smtClean="0"/>
+              <a:t>operatora relacione algebre</a:t>
             </a:r>
             <a:endParaRPr lang="en-US" dirty="0"/>
           </a:p>
@@ -8297,7 +8454,19 @@
             </a:r>
             <a:r>
               <a:rPr lang="sr-Latn-RS" dirty="0"/>
-              <a:t>(R)) (σ</a:t>
+              <a:t>(R)) </a:t>
+            </a:r>
+            <a:r>
+              <a:rPr lang="en-US" dirty="0"/>
+              <a:t>⨝ </a:t>
+            </a:r>
+            <a:r>
+              <a:rPr lang="sr-Latn-RS" dirty="0" smtClean="0"/>
+              <a:t>(</a:t>
+            </a:r>
+            <a:r>
+              <a:rPr lang="sr-Latn-RS" dirty="0"/>
+              <a:t>σ</a:t>
             </a:r>
             <a:r>
               <a:rPr lang="sr-Latn-RS" baseline="-25000" dirty="0"/>
@@ -8368,8 +8537,16 @@
           <a:lstStyle/>
           <a:p>
             <a:r>
+              <a:rPr lang="sr-Latn-RS" dirty="0" err="1"/>
+              <a:t>Osnovn</a:t>
+            </a:r>
+            <a:r>
+              <a:rPr lang="en-US" dirty="0"/>
+              <a:t>e</a:t>
+            </a:r>
+            <a:r>
               <a:rPr lang="sr-Latn-RS" dirty="0"/>
-              <a:t>Osnovna pravila transformacije operatora relacione algebre</a:t>
+              <a:t> transformacije operatora relacione algebre</a:t>
             </a:r>
             <a:endParaRPr lang="en-US" dirty="0"/>
           </a:p>
@@ -9285,10 +9462,6 @@
           <a:bodyPr/>
           <a:lstStyle/>
           <a:p>
-            <a:pPr>
-              <a:buFont typeface="+mj-lt"/>
-              <a:buAutoNum type="arabicPeriod"/>
-            </a:pPr>
             <a:r>
               <a:rPr lang="sr-Latn-RS" dirty="0" smtClean="0"/>
               <a:t>Prva faza u obradi je parsiranje SQL upita čiju je cilj da SQL upit pretvori u strukturu podataka koja se može kasnije koristiti u obradi. Parsiranje obuhvata:</a:t>
@@ -9348,14 +9521,48 @@
             </a:r>
           </a:p>
           <a:p>
-            <a:pPr marL="342900" lvl="1" indent="-342900">
-              <a:buFont typeface="+mj-lt"/>
-              <a:buAutoNum type="arabicPeriod" startAt="2"/>
-            </a:pPr>
-            <a:r>
-              <a:rPr lang="sr-Latn-RS" dirty="0" smtClean="0"/>
-              <a:t>Optimizacija upita</a:t>
-            </a:r>
+            <a:pPr marL="342900" lvl="1" indent="-342900"/>
+            <a:r>
+              <a:rPr lang="sr-Latn-RS" sz="1800" dirty="0" smtClean="0"/>
+              <a:t>Optimizacija </a:t>
+            </a:r>
+            <a:r>
+              <a:rPr lang="sr-Latn-RS" sz="1800" dirty="0" smtClean="0"/>
+              <a:t>upita</a:t>
+            </a:r>
+            <a:endParaRPr lang="en-US" sz="1800" dirty="0" smtClean="0"/>
+          </a:p>
+          <a:p>
+            <a:pPr marL="342900" lvl="1" indent="-342900"/>
+            <a:r>
+              <a:rPr lang="sr-Latn-RS" sz="1800" dirty="0" smtClean="0"/>
+              <a:t>Generator izvora redova – generiše</a:t>
+            </a:r>
+            <a:r>
+              <a:rPr lang="en-US" sz="1800" dirty="0" smtClean="0"/>
+              <a:t> </a:t>
+            </a:r>
+            <a:r>
+              <a:rPr lang="en-US" sz="1800" dirty="0" err="1" smtClean="0"/>
+              <a:t>iterativ</a:t>
+            </a:r>
+            <a:r>
+              <a:rPr lang="sr-Latn-RS" sz="1800" dirty="0" smtClean="0"/>
+              <a:t>ni plan izvršenja </a:t>
+            </a:r>
+            <a:endParaRPr lang="en-US" sz="1800" dirty="0" smtClean="0"/>
+          </a:p>
+          <a:p>
+            <a:pPr marL="342900" lvl="1" indent="-342900"/>
+            <a:r>
+              <a:rPr lang="en-US" sz="1800" dirty="0" smtClean="0"/>
+              <a:t>I</a:t>
+            </a:r>
+            <a:r>
+              <a:rPr lang="sr-Latn-RS" sz="1800" dirty="0" err="1" smtClean="0"/>
+              <a:t>zvršenje</a:t>
+            </a:r>
+            <a:endParaRPr lang="sr-Latn-RS" sz="1800" dirty="0" smtClean="0"/>
           </a:p>
         </p:txBody>
       </p:sp>
